--- a/2021_NullabilityInUnity/Presentation.pptx
+++ b/2021_NullabilityInUnity/Presentation.pptx
@@ -7539,254 +7539,234 @@
               </a:rPr>
               <a:t>https://github.com/kugushev/unity-tools/blob/main/src/NullableAttributes.cs</a:t>
             </a:r>
-            <a:endParaRPr lang="en-US" dirty="0"/>
+            <a:endParaRPr lang="ru-RU" dirty="0"/>
           </a:p>
           <a:p>
             <a:pPr lvl="1"/>
             <a:r>
-              <a:rPr kumimoji="0" lang="en-US" altLang="en-US" sz="1400" b="0" i="0" u="none" strike="noStrike" cap="none" normalizeH="0" baseline="0" dirty="0">
-                <a:ln>
-                  <a:noFill/>
-                </a:ln>
+              <a:rPr lang="en-US" altLang="en-US" dirty="0">
                 <a:solidFill>
                   <a:srgbClr val="0F54D6"/>
                 </a:solidFill>
-                <a:effectLst/>
-                <a:latin typeface="JetBrains Mono"/>
-              </a:rPr>
-              <a:t>static void </a:t>
-            </a:r>
-            <a:r>
-              <a:rPr kumimoji="0" lang="en-US" altLang="en-US" sz="1400" b="0" i="0" u="none" strike="noStrike" cap="none" normalizeH="0" baseline="0" dirty="0" err="1">
-                <a:ln>
-                  <a:noFill/>
-                </a:ln>
+                <a:latin typeface="JetBrains Mono"/>
+              </a:rPr>
+              <a:t>public static void </a:t>
+            </a:r>
+            <a:r>
+              <a:rPr lang="en-US" altLang="en-US" dirty="0" err="1">
                 <a:solidFill>
                   <a:srgbClr val="00855F"/>
                 </a:solidFill>
-                <a:effectLst/>
-                <a:latin typeface="JetBrains Mono"/>
-              </a:rPr>
-              <a:t>AssertNotNull</a:t>
-            </a:r>
-            <a:r>
-              <a:rPr kumimoji="0" lang="en-US" altLang="en-US" sz="1400" b="0" i="0" u="none" strike="noStrike" cap="none" normalizeH="0" baseline="0" dirty="0">
-                <a:ln>
-                  <a:noFill/>
-                </a:ln>
+                <a:latin typeface="JetBrains Mono"/>
+              </a:rPr>
+              <a:t>ThrowWhenNull</a:t>
+            </a:r>
+            <a:r>
+              <a:rPr lang="en-US" altLang="en-US" dirty="0">
                 <a:solidFill>
                   <a:srgbClr val="383838"/>
                 </a:solidFill>
-                <a:effectLst/>
                 <a:latin typeface="JetBrains Mono"/>
               </a:rPr>
               <a:t>([</a:t>
             </a:r>
             <a:r>
-              <a:rPr kumimoji="0" lang="en-US" altLang="en-US" sz="1400" b="0" i="0" u="none" strike="noStrike" cap="none" normalizeH="0" baseline="0" dirty="0" err="1">
-                <a:ln>
-                  <a:noFill/>
-                </a:ln>
+              <a:rPr lang="en-US" altLang="en-US" dirty="0" err="1">
                 <a:solidFill>
                   <a:srgbClr val="6B2FBA"/>
                 </a:solidFill>
-                <a:effectLst/>
                 <a:latin typeface="JetBrains Mono"/>
               </a:rPr>
               <a:t>NotNull</a:t>
             </a:r>
             <a:r>
-              <a:rPr kumimoji="0" lang="en-US" altLang="en-US" sz="1400" b="0" i="0" u="none" strike="noStrike" cap="none" normalizeH="0" baseline="0" dirty="0">
-                <a:ln>
-                  <a:noFill/>
-                </a:ln>
+              <a:rPr lang="en-US" altLang="en-US">
                 <a:solidFill>
                   <a:srgbClr val="383838"/>
                 </a:solidFill>
-                <a:effectLst/>
                 <a:latin typeface="JetBrains Mono"/>
               </a:rPr>
               <a:t>] </a:t>
             </a:r>
             <a:r>
-              <a:rPr kumimoji="0" lang="en-US" altLang="en-US" sz="1400" b="0" i="0" u="none" strike="noStrike" cap="none" normalizeH="0" baseline="0" dirty="0">
-                <a:ln>
-                  <a:noFill/>
-                </a:ln>
+              <a:rPr lang="en-US" altLang="en-US">
                 <a:solidFill>
                   <a:srgbClr val="0F54D6"/>
                 </a:solidFill>
-                <a:effectLst/>
                 <a:latin typeface="JetBrains Mono"/>
               </a:rPr>
               <a:t>object</a:t>
             </a:r>
             <a:r>
-              <a:rPr kumimoji="0" lang="en-US" altLang="en-US" sz="1400" b="0" i="0" u="none" strike="noStrike" cap="none" normalizeH="0" baseline="0" dirty="0">
-                <a:ln>
-                  <a:noFill/>
-                </a:ln>
+              <a:rPr lang="en-US" altLang="en-US">
+                <a:solidFill>
+                  <a:srgbClr val="383838"/>
+                </a:solidFill>
+                <a:latin typeface="JetBrains Mono"/>
+              </a:rPr>
+              <a:t>?</a:t>
+            </a:r>
+            <a:r>
+              <a:rPr lang="en-US" altLang="en-US">
+                <a:solidFill>
+                  <a:srgbClr val="0F54D6"/>
+                </a:solidFill>
+                <a:latin typeface="JetBrains Mono"/>
+              </a:rPr>
+              <a:t> </a:t>
+            </a:r>
+            <a:r>
+              <a:rPr lang="en-US" altLang="en-US" dirty="0">
+                <a:solidFill>
+                  <a:srgbClr val="383838"/>
+                </a:solidFill>
+                <a:latin typeface="JetBrains Mono"/>
+              </a:rPr>
+              <a:t>value, </a:t>
+            </a:r>
+            <a:r>
+              <a:rPr lang="en-US" altLang="en-US" dirty="0">
+                <a:solidFill>
+                  <a:srgbClr val="0F54D6"/>
+                </a:solidFill>
+                <a:latin typeface="JetBrains Mono"/>
+              </a:rPr>
+              <a:t>string </a:t>
+            </a:r>
+            <a:r>
+              <a:rPr lang="en-US" altLang="en-US" dirty="0" err="1">
+                <a:solidFill>
+                  <a:srgbClr val="383838"/>
+                </a:solidFill>
+                <a:latin typeface="JetBrains Mono"/>
+              </a:rPr>
+              <a:t>valueExpression</a:t>
+            </a:r>
+            <a:r>
+              <a:rPr lang="en-US" altLang="en-US" dirty="0">
+                <a:solidFill>
+                  <a:srgbClr val="383838"/>
+                </a:solidFill>
+                <a:latin typeface="JetBrains Mono"/>
+              </a:rPr>
+              <a:t> = </a:t>
+            </a:r>
+            <a:r>
+              <a:rPr lang="en-US" altLang="en-US" dirty="0">
+                <a:solidFill>
+                  <a:srgbClr val="8C6C41"/>
+                </a:solidFill>
+                <a:latin typeface="JetBrains Mono"/>
+              </a:rPr>
+              <a:t>""</a:t>
+            </a:r>
+            <a:r>
+              <a:rPr lang="en-US" altLang="en-US" dirty="0">
+                <a:solidFill>
+                  <a:srgbClr val="383838"/>
+                </a:solidFill>
+                <a:latin typeface="JetBrains Mono"/>
+              </a:rPr>
+              <a:t>) </a:t>
+            </a:r>
+            <a:r>
+              <a:rPr lang="en-US" altLang="en-US" dirty="0">
                 <a:solidFill>
                   <a:srgbClr val="202020"/>
                 </a:solidFill>
-                <a:effectLst/>
-                <a:latin typeface="JetBrains Mono"/>
-              </a:rPr>
-              <a:t>? </a:t>
-            </a:r>
-            <a:r>
-              <a:rPr kumimoji="0" lang="en-US" altLang="en-US" sz="1400" b="0" i="0" u="none" strike="noStrike" cap="none" normalizeH="0" baseline="0" dirty="0">
-                <a:ln>
-                  <a:noFill/>
-                </a:ln>
+                <a:latin typeface="JetBrains Mono"/>
+              </a:rPr>
+              <a:t>=&gt;</a:t>
+            </a:r>
+            <a:br>
+              <a:rPr lang="en-US" altLang="en-US" dirty="0">
+                <a:solidFill>
+                  <a:srgbClr val="202020"/>
+                </a:solidFill>
+                <a:latin typeface="JetBrains Mono"/>
+              </a:rPr>
+            </a:br>
+            <a:r>
+              <a:rPr lang="en-US" altLang="en-US" dirty="0">
+                <a:solidFill>
+                  <a:srgbClr val="202020"/>
+                </a:solidFill>
+                <a:latin typeface="JetBrains Mono"/>
+              </a:rPr>
+              <a:t>   _ </a:t>
+            </a:r>
+            <a:r>
+              <a:rPr lang="en-US" altLang="en-US" dirty="0">
                 <a:solidFill>
                   <a:srgbClr val="383838"/>
                 </a:solidFill>
-                <a:effectLst/>
-                <a:latin typeface="JetBrains Mono"/>
-              </a:rPr>
-              <a:t>obj)        {</a:t>
-            </a:r>
-            <a:br>
-              <a:rPr kumimoji="0" lang="en-US" altLang="en-US" sz="1400" b="0" i="0" u="none" strike="noStrike" cap="none" normalizeH="0" baseline="0" dirty="0">
-                <a:ln>
-                  <a:noFill/>
-                </a:ln>
+                <a:latin typeface="JetBrains Mono"/>
+              </a:rPr>
+              <a:t>= value </a:t>
+            </a:r>
+            <a:r>
+              <a:rPr lang="en-US" altLang="en-US" dirty="0">
+                <a:solidFill>
+                  <a:srgbClr val="202020"/>
+                </a:solidFill>
+                <a:latin typeface="JetBrains Mono"/>
+              </a:rPr>
+              <a:t>?? </a:t>
+            </a:r>
+            <a:r>
+              <a:rPr lang="en-US" altLang="en-US" dirty="0">
+                <a:solidFill>
+                  <a:srgbClr val="0F54D6"/>
+                </a:solidFill>
+                <a:latin typeface="JetBrains Mono"/>
+              </a:rPr>
+              <a:t>throw new </a:t>
+            </a:r>
+            <a:r>
+              <a:rPr lang="en-US" altLang="en-US" dirty="0" err="1">
+                <a:solidFill>
+                  <a:srgbClr val="6B2FBA"/>
+                </a:solidFill>
+                <a:latin typeface="JetBrains Mono"/>
+              </a:rPr>
+              <a:t>ArgumentNullException</a:t>
+            </a:r>
+            <a:r>
+              <a:rPr lang="en-US" altLang="en-US" dirty="0">
                 <a:solidFill>
                   <a:srgbClr val="383838"/>
                 </a:solidFill>
-                <a:effectLst/>
-                <a:latin typeface="JetBrains Mono"/>
-              </a:rPr>
-            </a:br>
-            <a:r>
-              <a:rPr kumimoji="0" lang="en-US" altLang="en-US" sz="1400" b="0" i="0" u="none" strike="noStrike" cap="none" normalizeH="0" baseline="0" dirty="0">
-                <a:ln>
-                  <a:noFill/>
-                </a:ln>
+                <a:latin typeface="JetBrains Mono"/>
+              </a:rPr>
+              <a:t>(</a:t>
+            </a:r>
+            <a:r>
+              <a:rPr lang="en-US" altLang="en-US" dirty="0" err="1">
                 <a:solidFill>
                   <a:srgbClr val="383838"/>
                 </a:solidFill>
-                <a:effectLst/>
-                <a:latin typeface="JetBrains Mono"/>
-              </a:rPr>
-              <a:t>            </a:t>
-            </a:r>
-            <a:r>
-              <a:rPr kumimoji="0" lang="en-US" altLang="en-US" sz="1400" b="0" i="0" u="none" strike="noStrike" cap="none" normalizeH="0" baseline="0" dirty="0">
-                <a:ln>
-                  <a:noFill/>
-                </a:ln>
-                <a:solidFill>
-                  <a:srgbClr val="0F54D6"/>
-                </a:solidFill>
-                <a:effectLst/>
-                <a:latin typeface="JetBrains Mono"/>
-              </a:rPr>
-              <a:t>#nullable disable</a:t>
-            </a:r>
-            <a:br>
-              <a:rPr kumimoji="0" lang="en-US" altLang="en-US" sz="1400" b="0" i="0" u="none" strike="noStrike" cap="none" normalizeH="0" baseline="0" dirty="0">
-                <a:ln>
-                  <a:noFill/>
-                </a:ln>
-                <a:solidFill>
-                  <a:srgbClr val="0F54D6"/>
-                </a:solidFill>
-                <a:effectLst/>
-                <a:latin typeface="JetBrains Mono"/>
-              </a:rPr>
-            </a:br>
-            <a:r>
-              <a:rPr kumimoji="0" lang="en-US" altLang="en-US" sz="1400" b="0" i="0" u="none" strike="noStrike" cap="none" normalizeH="0" baseline="0" dirty="0">
-                <a:ln>
-                  <a:noFill/>
-                </a:ln>
-                <a:solidFill>
-                  <a:srgbClr val="0F54D6"/>
-                </a:solidFill>
-                <a:effectLst/>
-                <a:latin typeface="JetBrains Mono"/>
-              </a:rPr>
-              <a:t>            </a:t>
-            </a:r>
-            <a:r>
-              <a:rPr kumimoji="0" lang="en-US" altLang="en-US" sz="1400" b="0" i="0" u="none" strike="noStrike" cap="none" normalizeH="0" baseline="0" dirty="0" err="1">
-                <a:ln>
-                  <a:noFill/>
-                </a:ln>
-                <a:solidFill>
-                  <a:srgbClr val="6B2FBA"/>
-                </a:solidFill>
-                <a:effectLst/>
-                <a:latin typeface="JetBrains Mono"/>
-              </a:rPr>
-              <a:t>Assert</a:t>
-            </a:r>
-            <a:r>
-              <a:rPr kumimoji="0" lang="en-US" altLang="en-US" sz="1400" b="0" i="0" u="none" strike="noStrike" cap="none" normalizeH="0" baseline="0" dirty="0" err="1">
-                <a:ln>
-                  <a:noFill/>
-                </a:ln>
+                <a:latin typeface="JetBrains Mono"/>
+              </a:rPr>
+              <a:t>valueExpression</a:t>
+            </a:r>
+            <a:r>
+              <a:rPr lang="en-US" altLang="en-US" dirty="0">
                 <a:solidFill>
                   <a:srgbClr val="383838"/>
                 </a:solidFill>
-                <a:effectLst/>
-                <a:latin typeface="JetBrains Mono"/>
-              </a:rPr>
-              <a:t>.</a:t>
-            </a:r>
-            <a:r>
-              <a:rPr kumimoji="0" lang="en-US" altLang="en-US" sz="1400" b="0" i="0" u="none" strike="noStrike" cap="none" normalizeH="0" baseline="0" dirty="0" err="1">
-                <a:ln>
-                  <a:noFill/>
-                </a:ln>
-                <a:solidFill>
-                  <a:srgbClr val="00855F"/>
-                </a:solidFill>
-                <a:effectLst/>
-                <a:latin typeface="JetBrains Mono"/>
-              </a:rPr>
-              <a:t>IsNotNull</a:t>
-            </a:r>
-            <a:r>
-              <a:rPr kumimoji="0" lang="en-US" altLang="en-US" sz="1400" b="0" i="0" u="none" strike="noStrike" cap="none" normalizeH="0" baseline="0" dirty="0">
-                <a:ln>
-                  <a:noFill/>
-                </a:ln>
-                <a:solidFill>
-                  <a:srgbClr val="383838"/>
-                </a:solidFill>
-                <a:effectLst/>
-                <a:latin typeface="JetBrains Mono"/>
-              </a:rPr>
-              <a:t>(obj);</a:t>
-            </a:r>
-            <a:br>
-              <a:rPr kumimoji="0" lang="en-US" altLang="en-US" sz="1400" b="0" i="0" u="none" strike="noStrike" cap="none" normalizeH="0" baseline="0" dirty="0">
-                <a:ln>
-                  <a:noFill/>
-                </a:ln>
-                <a:solidFill>
-                  <a:srgbClr val="383838"/>
-                </a:solidFill>
-                <a:effectLst/>
-                <a:latin typeface="JetBrains Mono"/>
-              </a:rPr>
-            </a:br>
-            <a:r>
-              <a:rPr kumimoji="0" lang="en-US" altLang="en-US" sz="1400" b="0" i="0" u="none" strike="noStrike" cap="none" normalizeH="0" baseline="0" dirty="0">
-                <a:ln>
-                  <a:noFill/>
-                </a:ln>
-                <a:solidFill>
-                  <a:srgbClr val="383838"/>
-                </a:solidFill>
-                <a:effectLst/>
-                <a:latin typeface="JetBrains Mono"/>
-              </a:rPr>
-              <a:t>}</a:t>
-            </a:r>
+                <a:latin typeface="JetBrains Mono"/>
+              </a:rPr>
+              <a:t>);</a:t>
+            </a:r>
+            <a:endParaRPr lang="en-US" altLang="en-US" sz="3600" dirty="0">
+              <a:solidFill>
+                <a:schemeClr val="tx1"/>
+              </a:solidFill>
+              <a:latin typeface="Arial" panose="020B0604020202020204" pitchFamily="34" charset="0"/>
+            </a:endParaRPr>
+          </a:p>
+          <a:p>
+            <a:pPr lvl="1"/>
             <a:endParaRPr lang="en-US" dirty="0"/>
           </a:p>
         </p:txBody>
@@ -8420,6 +8400,95 @@
             <a:extLst>
               <a:ext uri="{FF2B5EF4-FFF2-40B4-BE49-F238E27FC236}">
                 <a16:creationId xmlns:a16="http://schemas.microsoft.com/office/drawing/2014/main" id="{48EC1AE5-5493-4E30-945F-1771C9B69F07}"/>
+              </a:ext>
+            </a:extLst>
+          </p:cNvPr>
+          <p:cNvSpPr>
+            <a:spLocks noChangeArrowheads="1"/>
+          </p:cNvSpPr>
+          <p:nvPr/>
+        </p:nvSpPr>
+        <p:spPr bwMode="auto">
+          <a:xfrm>
+            <a:off x="0" y="43934"/>
+            <a:ext cx="184731" cy="369332"/>
+          </a:xfrm>
+          <a:prstGeom prst="rect">
+            <a:avLst/>
+          </a:prstGeom>
+          <a:solidFill>
+            <a:srgbClr val="FFFFFF"/>
+          </a:solidFill>
+          <a:ln>
+            <a:noFill/>
+          </a:ln>
+          <a:effectLst/>
+          <a:extLst>
+            <a:ext uri="{91240B29-F687-4F45-9708-019B960494DF}">
+              <a14:hiddenLine xmlns:a14="http://schemas.microsoft.com/office/drawing/2010/main" w="9525">
+                <a:solidFill>
+                  <a:schemeClr val="tx1"/>
+                </a:solidFill>
+                <a:miter lim="800000"/>
+                <a:headEnd/>
+                <a:tailEnd/>
+              </a14:hiddenLine>
+            </a:ext>
+            <a:ext uri="{AF507438-7753-43E0-B8FC-AC1667EBCBE1}">
+              <a14:hiddenEffects xmlns:a14="http://schemas.microsoft.com/office/drawing/2010/main">
+                <a:effectLst>
+                  <a:outerShdw dist="35921" dir="2700000" algn="ctr" rotWithShape="0">
+                    <a:schemeClr val="bg2"/>
+                  </a:outerShdw>
+                </a:effectLst>
+              </a14:hiddenEffects>
+            </a:ext>
+          </a:extLst>
+        </p:spPr>
+        <p:txBody>
+          <a:bodyPr vert="horz" wrap="none" lIns="91440" tIns="45720" rIns="91440" bIns="45720" numCol="1" anchor="ctr" anchorCtr="0" compatLnSpc="1">
+            <a:prstTxWarp prst="textNoShape">
+              <a:avLst/>
+            </a:prstTxWarp>
+            <a:spAutoFit/>
+          </a:bodyPr>
+          <a:lstStyle/>
+          <a:p>
+            <a:pPr marL="0" marR="0" lvl="0" indent="0" algn="l" defTabSz="914400" rtl="0" eaLnBrk="0" fontAlgn="base" latinLnBrk="0" hangingPunct="0">
+              <a:lnSpc>
+                <a:spcPct val="100000"/>
+              </a:lnSpc>
+              <a:spcBef>
+                <a:spcPct val="0"/>
+              </a:spcBef>
+              <a:spcAft>
+                <a:spcPct val="0"/>
+              </a:spcAft>
+              <a:buClrTx/>
+              <a:buSzTx/>
+              <a:buFontTx/>
+              <a:buNone/>
+              <a:tabLst/>
+            </a:pPr>
+            <a:endParaRPr kumimoji="0" lang="en-US" altLang="en-US" sz="1800" b="0" i="0" u="none" strike="noStrike" cap="none" normalizeH="0" baseline="0" dirty="0">
+              <a:ln>
+                <a:noFill/>
+              </a:ln>
+              <a:solidFill>
+                <a:schemeClr val="tx1"/>
+              </a:solidFill>
+              <a:effectLst/>
+              <a:latin typeface="Arial" panose="020B0604020202020204" pitchFamily="34" charset="0"/>
+            </a:endParaRPr>
+          </a:p>
+        </p:txBody>
+      </p:sp>
+      <p:sp>
+        <p:nvSpPr>
+          <p:cNvPr id="11" name="Rectangle 2">
+            <a:extLst>
+              <a:ext uri="{FF2B5EF4-FFF2-40B4-BE49-F238E27FC236}">
+                <a16:creationId xmlns:a16="http://schemas.microsoft.com/office/drawing/2014/main" id="{A77F8814-6E53-4652-A6A0-DEB89F5F1926}"/>
               </a:ext>
             </a:extLst>
           </p:cNvPr>
